--- a/Research School/Retreat/Fall 2014/retreat release/A.Amirkhanyan/Scenario relations.pptx
+++ b/Research School/Retreat/Fall 2014/retreat release/A.Amirkhanyan/Scenario relations.pptx
@@ -7,6 +7,8 @@
   <p:sldIdLst>
     <p:sldId id="256" r:id="rId2"/>
     <p:sldId id="257" r:id="rId3"/>
+    <p:sldId id="258" r:id="rId4"/>
+    <p:sldId id="259" r:id="rId5"/>
   </p:sldIdLst>
   <p:sldSz cx="9144000" cy="6858000" type="screen4x3"/>
   <p:notesSz cx="6858000" cy="9144000"/>
@@ -289,7 +291,7 @@
           <a:p>
             <a:fld id="{1617007B-AE2D-44C1-A622-3C80783AE921}" type="datetimeFigureOut">
               <a:rPr lang="de-DE" smtClean="0"/>
-              <a:t>22.09.2014</a:t>
+              <a:t>17.11.2014</a:t>
             </a:fld>
             <a:endParaRPr lang="de-DE"/>
           </a:p>
@@ -459,7 +461,7 @@
           <a:p>
             <a:fld id="{1617007B-AE2D-44C1-A622-3C80783AE921}" type="datetimeFigureOut">
               <a:rPr lang="de-DE" smtClean="0"/>
-              <a:t>22.09.2014</a:t>
+              <a:t>17.11.2014</a:t>
             </a:fld>
             <a:endParaRPr lang="de-DE"/>
           </a:p>
@@ -639,7 +641,7 @@
           <a:p>
             <a:fld id="{1617007B-AE2D-44C1-A622-3C80783AE921}" type="datetimeFigureOut">
               <a:rPr lang="de-DE" smtClean="0"/>
-              <a:t>22.09.2014</a:t>
+              <a:t>17.11.2014</a:t>
             </a:fld>
             <a:endParaRPr lang="de-DE"/>
           </a:p>
@@ -809,7 +811,7 @@
           <a:p>
             <a:fld id="{1617007B-AE2D-44C1-A622-3C80783AE921}" type="datetimeFigureOut">
               <a:rPr lang="de-DE" smtClean="0"/>
-              <a:t>22.09.2014</a:t>
+              <a:t>17.11.2014</a:t>
             </a:fld>
             <a:endParaRPr lang="de-DE"/>
           </a:p>
@@ -1055,7 +1057,7 @@
           <a:p>
             <a:fld id="{1617007B-AE2D-44C1-A622-3C80783AE921}" type="datetimeFigureOut">
               <a:rPr lang="de-DE" smtClean="0"/>
-              <a:t>22.09.2014</a:t>
+              <a:t>17.11.2014</a:t>
             </a:fld>
             <a:endParaRPr lang="de-DE"/>
           </a:p>
@@ -1343,7 +1345,7 @@
           <a:p>
             <a:fld id="{1617007B-AE2D-44C1-A622-3C80783AE921}" type="datetimeFigureOut">
               <a:rPr lang="de-DE" smtClean="0"/>
-              <a:t>22.09.2014</a:t>
+              <a:t>17.11.2014</a:t>
             </a:fld>
             <a:endParaRPr lang="de-DE"/>
           </a:p>
@@ -1765,7 +1767,7 @@
           <a:p>
             <a:fld id="{1617007B-AE2D-44C1-A622-3C80783AE921}" type="datetimeFigureOut">
               <a:rPr lang="de-DE" smtClean="0"/>
-              <a:t>22.09.2014</a:t>
+              <a:t>17.11.2014</a:t>
             </a:fld>
             <a:endParaRPr lang="de-DE"/>
           </a:p>
@@ -1883,7 +1885,7 @@
           <a:p>
             <a:fld id="{1617007B-AE2D-44C1-A622-3C80783AE921}" type="datetimeFigureOut">
               <a:rPr lang="de-DE" smtClean="0"/>
-              <a:t>22.09.2014</a:t>
+              <a:t>17.11.2014</a:t>
             </a:fld>
             <a:endParaRPr lang="de-DE"/>
           </a:p>
@@ -1978,7 +1980,7 @@
           <a:p>
             <a:fld id="{1617007B-AE2D-44C1-A622-3C80783AE921}" type="datetimeFigureOut">
               <a:rPr lang="de-DE" smtClean="0"/>
-              <a:t>22.09.2014</a:t>
+              <a:t>17.11.2014</a:t>
             </a:fld>
             <a:endParaRPr lang="de-DE"/>
           </a:p>
@@ -2255,7 +2257,7 @@
           <a:p>
             <a:fld id="{1617007B-AE2D-44C1-A622-3C80783AE921}" type="datetimeFigureOut">
               <a:rPr lang="de-DE" smtClean="0"/>
-              <a:t>22.09.2014</a:t>
+              <a:t>17.11.2014</a:t>
             </a:fld>
             <a:endParaRPr lang="de-DE"/>
           </a:p>
@@ -2508,7 +2510,7 @@
           <a:p>
             <a:fld id="{1617007B-AE2D-44C1-A622-3C80783AE921}" type="datetimeFigureOut">
               <a:rPr lang="de-DE" smtClean="0"/>
-              <a:t>22.09.2014</a:t>
+              <a:t>17.11.2014</a:t>
             </a:fld>
             <a:endParaRPr lang="de-DE"/>
           </a:p>
@@ -2721,7 +2723,7 @@
           <a:p>
             <a:fld id="{1617007B-AE2D-44C1-A622-3C80783AE921}" type="datetimeFigureOut">
               <a:rPr lang="de-DE" smtClean="0"/>
-              <a:t>22.09.2014</a:t>
+              <a:t>17.11.2014</a:t>
             </a:fld>
             <a:endParaRPr lang="de-DE"/>
           </a:p>
@@ -3636,6 +3638,13 @@
   <p:clrMapOvr>
     <a:masterClrMapping/>
   </p:clrMapOvr>
+  <p:timing>
+    <p:tnLst>
+      <p:par>
+        <p:cTn id="1" dur="indefinite" restart="never" nodeType="tmRoot"/>
+      </p:par>
+    </p:tnLst>
+  </p:timing>
 </p:sld>
 </file>
 
@@ -3713,8 +3722,8 @@
         </p:nvSpPr>
         <p:spPr>
           <a:xfrm>
-            <a:off x="6600182" y="3779748"/>
-            <a:ext cx="1224136" cy="369332"/>
+            <a:off x="7200292" y="3779748"/>
+            <a:ext cx="612068" cy="369332"/>
           </a:xfrm>
           <a:prstGeom prst="rect">
             <a:avLst/>
@@ -3729,7 +3738,7 @@
           <a:p>
             <a:r>
               <a:rPr lang="en-US" dirty="0" smtClean="0"/>
-              <a:t>FutureSOC</a:t>
+              <a:t>ESXi</a:t>
             </a:r>
             <a:endParaRPr lang="de-DE" dirty="0"/>
           </a:p>
@@ -4823,6 +4832,1025 @@
   <p:clrMapOvr>
     <a:masterClrMapping/>
   </p:clrMapOvr>
+  <p:timing>
+    <p:tnLst>
+      <p:par>
+        <p:cTn id="1" dur="indefinite" restart="never" nodeType="tmRoot"/>
+      </p:par>
+    </p:tnLst>
+  </p:timing>
+</p:sld>
+</file>
+
+<file path=ppt/slides/slide3.xml><?xml version="1.0" encoding="utf-8"?>
+<p:sld xmlns:a="http://schemas.openxmlformats.org/drawingml/2006/main" xmlns:r="http://schemas.openxmlformats.org/officeDocument/2006/relationships" xmlns:p="http://schemas.openxmlformats.org/presentationml/2006/main">
+  <p:cSld>
+    <p:spTree>
+      <p:nvGrpSpPr>
+        <p:cNvPr id="1" name=""/>
+        <p:cNvGrpSpPr/>
+        <p:nvPr/>
+      </p:nvGrpSpPr>
+      <p:grpSpPr>
+        <a:xfrm>
+          <a:off x="0" y="0"/>
+          <a:ext cx="0" cy="0"/>
+          <a:chOff x="0" y="0"/>
+          <a:chExt cx="0" cy="0"/>
+        </a:xfrm>
+      </p:grpSpPr>
+      <p:sp>
+        <p:nvSpPr>
+          <p:cNvPr id="6" name="TextBox 5"/>
+          <p:cNvSpPr txBox="1"/>
+          <p:nvPr/>
+        </p:nvSpPr>
+        <p:spPr>
+          <a:xfrm>
+            <a:off x="3599892" y="1148422"/>
+            <a:ext cx="1044116" cy="276999"/>
+          </a:xfrm>
+          <a:prstGeom prst="rect">
+            <a:avLst/>
+          </a:prstGeom>
+          <a:solidFill>
+            <a:srgbClr val="FFC000"/>
+          </a:solidFill>
+          <a:ln>
+            <a:solidFill>
+              <a:schemeClr val="tx1"/>
+            </a:solidFill>
+          </a:ln>
+        </p:spPr>
+        <p:txBody>
+          <a:bodyPr wrap="square" rtlCol="0">
+            <a:spAutoFit/>
+          </a:bodyPr>
+          <a:lstStyle/>
+          <a:p>
+            <a:pPr algn="ctr"/>
+            <a:r>
+              <a:rPr lang="en-US" sz="1200" dirty="0" smtClean="0"/>
+              <a:t>logon_hotkey</a:t>
+            </a:r>
+            <a:endParaRPr lang="de-DE" sz="1200" dirty="0"/>
+          </a:p>
+        </p:txBody>
+      </p:sp>
+      <p:sp>
+        <p:nvSpPr>
+          <p:cNvPr id="7" name="TextBox 6"/>
+          <p:cNvSpPr txBox="1"/>
+          <p:nvPr/>
+        </p:nvSpPr>
+        <p:spPr>
+          <a:xfrm>
+            <a:off x="3599892" y="1855857"/>
+            <a:ext cx="1044116" cy="276999"/>
+          </a:xfrm>
+          <a:prstGeom prst="rect">
+            <a:avLst/>
+          </a:prstGeom>
+          <a:solidFill>
+            <a:srgbClr val="FFC000"/>
+          </a:solidFill>
+          <a:ln>
+            <a:solidFill>
+              <a:schemeClr val="tx1"/>
+            </a:solidFill>
+          </a:ln>
+        </p:spPr>
+        <p:txBody>
+          <a:bodyPr wrap="square" rtlCol="0">
+            <a:spAutoFit/>
+          </a:bodyPr>
+          <a:lstStyle/>
+          <a:p>
+            <a:pPr algn="ctr"/>
+            <a:r>
+              <a:rPr lang="en-US" sz="1200" dirty="0"/>
+              <a:t>logon_user</a:t>
+            </a:r>
+            <a:endParaRPr lang="de-DE" sz="1200" dirty="0"/>
+          </a:p>
+        </p:txBody>
+      </p:sp>
+      <p:sp>
+        <p:nvSpPr>
+          <p:cNvPr id="8" name="TextBox 7"/>
+          <p:cNvSpPr txBox="1"/>
+          <p:nvPr/>
+        </p:nvSpPr>
+        <p:spPr>
+          <a:xfrm>
+            <a:off x="3599892" y="2564904"/>
+            <a:ext cx="1044116" cy="276999"/>
+          </a:xfrm>
+          <a:prstGeom prst="rect">
+            <a:avLst/>
+          </a:prstGeom>
+          <a:solidFill>
+            <a:srgbClr val="FFC000"/>
+          </a:solidFill>
+          <a:ln>
+            <a:solidFill>
+              <a:schemeClr val="tx1"/>
+            </a:solidFill>
+          </a:ln>
+        </p:spPr>
+        <p:txBody>
+          <a:bodyPr wrap="square" rtlCol="0">
+            <a:spAutoFit/>
+          </a:bodyPr>
+          <a:lstStyle/>
+          <a:p>
+            <a:pPr algn="ctr"/>
+            <a:r>
+              <a:rPr lang="en-US" sz="1200" dirty="0" smtClean="0"/>
+              <a:t>desktop</a:t>
+            </a:r>
+            <a:endParaRPr lang="de-DE" sz="1200" dirty="0"/>
+          </a:p>
+        </p:txBody>
+      </p:sp>
+      <p:sp>
+        <p:nvSpPr>
+          <p:cNvPr id="9" name="TextBox 8"/>
+          <p:cNvSpPr txBox="1"/>
+          <p:nvPr/>
+        </p:nvSpPr>
+        <p:spPr>
+          <a:xfrm>
+            <a:off x="3596966" y="3296017"/>
+            <a:ext cx="1044116" cy="276999"/>
+          </a:xfrm>
+          <a:prstGeom prst="rect">
+            <a:avLst/>
+          </a:prstGeom>
+          <a:solidFill>
+            <a:srgbClr val="FFC000"/>
+          </a:solidFill>
+          <a:ln>
+            <a:solidFill>
+              <a:schemeClr val="tx1"/>
+            </a:solidFill>
+          </a:ln>
+        </p:spPr>
+        <p:txBody>
+          <a:bodyPr wrap="square" rtlCol="0">
+            <a:spAutoFit/>
+          </a:bodyPr>
+          <a:lstStyle/>
+          <a:p>
+            <a:pPr algn="ctr"/>
+            <a:r>
+              <a:rPr lang="en-US" sz="1200" dirty="0"/>
+              <a:t>r</a:t>
+            </a:r>
+            <a:r>
+              <a:rPr lang="en-US" sz="1200" dirty="0" smtClean="0"/>
+              <a:t>dp_success</a:t>
+            </a:r>
+            <a:endParaRPr lang="de-DE" sz="1200" dirty="0"/>
+          </a:p>
+        </p:txBody>
+      </p:sp>
+      <p:sp>
+        <p:nvSpPr>
+          <p:cNvPr id="12" name="TextBox 11"/>
+          <p:cNvSpPr txBox="1"/>
+          <p:nvPr/>
+        </p:nvSpPr>
+        <p:spPr>
+          <a:xfrm>
+            <a:off x="4322068" y="1484784"/>
+            <a:ext cx="360040" cy="276999"/>
+          </a:xfrm>
+          <a:prstGeom prst="rect">
+            <a:avLst/>
+          </a:prstGeom>
+          <a:noFill/>
+          <a:ln>
+            <a:noFill/>
+            <a:prstDash val="lgDashDot"/>
+          </a:ln>
+        </p:spPr>
+        <p:txBody>
+          <a:bodyPr wrap="square" rtlCol="0">
+            <a:spAutoFit/>
+          </a:bodyPr>
+          <a:lstStyle/>
+          <a:p>
+            <a:pPr algn="ctr"/>
+            <a:r>
+              <a:rPr lang="de-DE" sz="1200" dirty="0" smtClean="0"/>
+              <a:t>C2</a:t>
+            </a:r>
+          </a:p>
+        </p:txBody>
+      </p:sp>
+      <p:sp>
+        <p:nvSpPr>
+          <p:cNvPr id="37" name="TextBox 36"/>
+          <p:cNvSpPr txBox="1"/>
+          <p:nvPr/>
+        </p:nvSpPr>
+        <p:spPr>
+          <a:xfrm>
+            <a:off x="3563888" y="1484784"/>
+            <a:ext cx="350552" cy="276999"/>
+          </a:xfrm>
+          <a:prstGeom prst="rect">
+            <a:avLst/>
+          </a:prstGeom>
+          <a:noFill/>
+          <a:ln>
+            <a:noFill/>
+            <a:prstDash val="lgDashDot"/>
+          </a:ln>
+        </p:spPr>
+        <p:txBody>
+          <a:bodyPr wrap="square" rtlCol="0">
+            <a:spAutoFit/>
+          </a:bodyPr>
+          <a:lstStyle/>
+          <a:p>
+            <a:pPr algn="ctr"/>
+            <a:r>
+              <a:rPr lang="de-DE" sz="1200" dirty="0" smtClean="0"/>
+              <a:t>C1</a:t>
+            </a:r>
+          </a:p>
+        </p:txBody>
+      </p:sp>
+      <p:cxnSp>
+        <p:nvCxnSpPr>
+          <p:cNvPr id="40" name="Straight Arrow Connector 39"/>
+          <p:cNvCxnSpPr/>
+          <p:nvPr/>
+        </p:nvCxnSpPr>
+        <p:spPr>
+          <a:xfrm flipV="1">
+            <a:off x="4355976" y="1425421"/>
+            <a:ext cx="0" cy="430436"/>
+          </a:xfrm>
+          <a:prstGeom prst="straightConnector1">
+            <a:avLst/>
+          </a:prstGeom>
+          <a:ln>
+            <a:headEnd type="none" w="med" len="med"/>
+            <a:tailEnd type="arrow" w="med" len="med"/>
+          </a:ln>
+        </p:spPr>
+        <p:style>
+          <a:lnRef idx="1">
+            <a:schemeClr val="accent1"/>
+          </a:lnRef>
+          <a:fillRef idx="0">
+            <a:schemeClr val="accent1"/>
+          </a:fillRef>
+          <a:effectRef idx="0">
+            <a:schemeClr val="accent1"/>
+          </a:effectRef>
+          <a:fontRef idx="minor">
+            <a:schemeClr val="tx1"/>
+          </a:fontRef>
+        </p:style>
+      </p:cxnSp>
+      <p:cxnSp>
+        <p:nvCxnSpPr>
+          <p:cNvPr id="48" name="Straight Arrow Connector 47"/>
+          <p:cNvCxnSpPr>
+            <a:stCxn id="7" idx="2"/>
+            <a:endCxn id="8" idx="0"/>
+          </p:cNvCxnSpPr>
+          <p:nvPr/>
+        </p:nvCxnSpPr>
+        <p:spPr>
+          <a:xfrm>
+            <a:off x="4121950" y="2132856"/>
+            <a:ext cx="0" cy="432048"/>
+          </a:xfrm>
+          <a:prstGeom prst="straightConnector1">
+            <a:avLst/>
+          </a:prstGeom>
+          <a:ln>
+            <a:tailEnd type="arrow"/>
+          </a:ln>
+        </p:spPr>
+        <p:style>
+          <a:lnRef idx="1">
+            <a:schemeClr val="accent1"/>
+          </a:lnRef>
+          <a:fillRef idx="0">
+            <a:schemeClr val="accent1"/>
+          </a:fillRef>
+          <a:effectRef idx="0">
+            <a:schemeClr val="accent1"/>
+          </a:effectRef>
+          <a:fontRef idx="minor">
+            <a:schemeClr val="tx1"/>
+          </a:fontRef>
+        </p:style>
+      </p:cxnSp>
+      <p:sp>
+        <p:nvSpPr>
+          <p:cNvPr id="49" name="TextBox 48"/>
+          <p:cNvSpPr txBox="1"/>
+          <p:nvPr/>
+        </p:nvSpPr>
+        <p:spPr>
+          <a:xfrm>
+            <a:off x="3821893" y="2204864"/>
+            <a:ext cx="360040" cy="276999"/>
+          </a:xfrm>
+          <a:prstGeom prst="rect">
+            <a:avLst/>
+          </a:prstGeom>
+          <a:noFill/>
+          <a:ln>
+            <a:noFill/>
+            <a:prstDash val="lgDashDot"/>
+          </a:ln>
+        </p:spPr>
+        <p:txBody>
+          <a:bodyPr wrap="square" rtlCol="0">
+            <a:spAutoFit/>
+          </a:bodyPr>
+          <a:lstStyle/>
+          <a:p>
+            <a:pPr algn="ctr"/>
+            <a:r>
+              <a:rPr lang="de-DE" sz="1200" dirty="0" smtClean="0"/>
+              <a:t>C3</a:t>
+            </a:r>
+          </a:p>
+        </p:txBody>
+      </p:sp>
+      <p:cxnSp>
+        <p:nvCxnSpPr>
+          <p:cNvPr id="55" name="Straight Arrow Connector 54"/>
+          <p:cNvCxnSpPr>
+            <a:stCxn id="8" idx="1"/>
+            <a:endCxn id="6" idx="1"/>
+          </p:cNvCxnSpPr>
+          <p:nvPr/>
+        </p:nvCxnSpPr>
+        <p:spPr>
+          <a:xfrm rot="10800000">
+            <a:off x="3599892" y="1286922"/>
+            <a:ext cx="12700" cy="1416482"/>
+          </a:xfrm>
+          <a:prstGeom prst="bentConnector3">
+            <a:avLst>
+              <a:gd name="adj1" fmla="val 1800000"/>
+            </a:avLst>
+          </a:prstGeom>
+          <a:ln>
+            <a:tailEnd type="arrow"/>
+          </a:ln>
+        </p:spPr>
+        <p:style>
+          <a:lnRef idx="1">
+            <a:schemeClr val="accent1"/>
+          </a:lnRef>
+          <a:fillRef idx="0">
+            <a:schemeClr val="accent1"/>
+          </a:fillRef>
+          <a:effectRef idx="0">
+            <a:schemeClr val="accent1"/>
+          </a:effectRef>
+          <a:fontRef idx="minor">
+            <a:schemeClr val="tx1"/>
+          </a:fontRef>
+        </p:style>
+      </p:cxnSp>
+      <p:sp>
+        <p:nvSpPr>
+          <p:cNvPr id="67" name="TextBox 66"/>
+          <p:cNvSpPr txBox="1"/>
+          <p:nvPr/>
+        </p:nvSpPr>
+        <p:spPr>
+          <a:xfrm>
+            <a:off x="3059832" y="1916832"/>
+            <a:ext cx="432048" cy="276999"/>
+          </a:xfrm>
+          <a:prstGeom prst="rect">
+            <a:avLst/>
+          </a:prstGeom>
+          <a:noFill/>
+          <a:ln>
+            <a:noFill/>
+            <a:prstDash val="lgDashDot"/>
+          </a:ln>
+        </p:spPr>
+        <p:txBody>
+          <a:bodyPr wrap="square" rtlCol="0">
+            <a:spAutoFit/>
+          </a:bodyPr>
+          <a:lstStyle/>
+          <a:p>
+            <a:pPr algn="ctr"/>
+            <a:r>
+              <a:rPr lang="de-DE" sz="1200" dirty="0" smtClean="0"/>
+              <a:t>C4</a:t>
+            </a:r>
+          </a:p>
+        </p:txBody>
+      </p:sp>
+      <p:cxnSp>
+        <p:nvCxnSpPr>
+          <p:cNvPr id="78" name="Straight Arrow Connector 77"/>
+          <p:cNvCxnSpPr/>
+          <p:nvPr/>
+        </p:nvCxnSpPr>
+        <p:spPr>
+          <a:xfrm flipH="1">
+            <a:off x="3851920" y="2847419"/>
+            <a:ext cx="2926" cy="454114"/>
+          </a:xfrm>
+          <a:prstGeom prst="straightConnector1">
+            <a:avLst/>
+          </a:prstGeom>
+          <a:ln>
+            <a:headEnd type="none" w="med" len="med"/>
+            <a:tailEnd type="arrow" w="med" len="med"/>
+          </a:ln>
+        </p:spPr>
+        <p:style>
+          <a:lnRef idx="1">
+            <a:schemeClr val="accent1"/>
+          </a:lnRef>
+          <a:fillRef idx="0">
+            <a:schemeClr val="accent1"/>
+          </a:fillRef>
+          <a:effectRef idx="0">
+            <a:schemeClr val="accent1"/>
+          </a:effectRef>
+          <a:fontRef idx="minor">
+            <a:schemeClr val="tx1"/>
+          </a:fontRef>
+        </p:style>
+      </p:cxnSp>
+      <p:sp>
+        <p:nvSpPr>
+          <p:cNvPr id="81" name="TextBox 80"/>
+          <p:cNvSpPr txBox="1"/>
+          <p:nvPr/>
+        </p:nvSpPr>
+        <p:spPr>
+          <a:xfrm>
+            <a:off x="4322068" y="2935977"/>
+            <a:ext cx="360040" cy="276999"/>
+          </a:xfrm>
+          <a:prstGeom prst="rect">
+            <a:avLst/>
+          </a:prstGeom>
+          <a:noFill/>
+          <a:ln>
+            <a:noFill/>
+            <a:prstDash val="lgDashDot"/>
+          </a:ln>
+        </p:spPr>
+        <p:txBody>
+          <a:bodyPr wrap="square" rtlCol="0">
+            <a:spAutoFit/>
+          </a:bodyPr>
+          <a:lstStyle/>
+          <a:p>
+            <a:pPr algn="ctr"/>
+            <a:r>
+              <a:rPr lang="de-DE" sz="1200" dirty="0" smtClean="0"/>
+              <a:t>C6</a:t>
+            </a:r>
+          </a:p>
+        </p:txBody>
+      </p:sp>
+      <p:cxnSp>
+        <p:nvCxnSpPr>
+          <p:cNvPr id="82" name="Straight Arrow Connector 54"/>
+          <p:cNvCxnSpPr>
+            <a:stCxn id="9" idx="3"/>
+            <a:endCxn id="6" idx="3"/>
+          </p:cNvCxnSpPr>
+          <p:nvPr/>
+        </p:nvCxnSpPr>
+        <p:spPr>
+          <a:xfrm flipV="1">
+            <a:off x="4641082" y="1286922"/>
+            <a:ext cx="2926" cy="2147595"/>
+          </a:xfrm>
+          <a:prstGeom prst="bentConnector3">
+            <a:avLst>
+              <a:gd name="adj1" fmla="val 7912714"/>
+            </a:avLst>
+          </a:prstGeom>
+          <a:ln>
+            <a:tailEnd type="arrow"/>
+          </a:ln>
+        </p:spPr>
+        <p:style>
+          <a:lnRef idx="1">
+            <a:schemeClr val="accent1"/>
+          </a:lnRef>
+          <a:fillRef idx="0">
+            <a:schemeClr val="accent1"/>
+          </a:fillRef>
+          <a:effectRef idx="0">
+            <a:schemeClr val="accent1"/>
+          </a:effectRef>
+          <a:fontRef idx="minor">
+            <a:schemeClr val="tx1"/>
+          </a:fontRef>
+        </p:style>
+      </p:cxnSp>
+      <p:sp>
+        <p:nvSpPr>
+          <p:cNvPr id="92" name="TextBox 91"/>
+          <p:cNvSpPr txBox="1"/>
+          <p:nvPr/>
+        </p:nvSpPr>
+        <p:spPr>
+          <a:xfrm>
+            <a:off x="4788024" y="2215897"/>
+            <a:ext cx="360040" cy="276999"/>
+          </a:xfrm>
+          <a:prstGeom prst="rect">
+            <a:avLst/>
+          </a:prstGeom>
+          <a:noFill/>
+          <a:ln>
+            <a:noFill/>
+            <a:prstDash val="lgDashDot"/>
+          </a:ln>
+        </p:spPr>
+        <p:txBody>
+          <a:bodyPr wrap="square" rtlCol="0">
+            <a:spAutoFit/>
+          </a:bodyPr>
+          <a:lstStyle/>
+          <a:p>
+            <a:pPr algn="ctr"/>
+            <a:r>
+              <a:rPr lang="de-DE" sz="1200" dirty="0" smtClean="0"/>
+              <a:t>C7</a:t>
+            </a:r>
+          </a:p>
+        </p:txBody>
+      </p:sp>
+      <p:sp>
+        <p:nvSpPr>
+          <p:cNvPr id="93" name="TextBox 92"/>
+          <p:cNvSpPr txBox="1"/>
+          <p:nvPr/>
+        </p:nvSpPr>
+        <p:spPr>
+          <a:xfrm>
+            <a:off x="3582624" y="2935977"/>
+            <a:ext cx="360040" cy="276999"/>
+          </a:xfrm>
+          <a:prstGeom prst="rect">
+            <a:avLst/>
+          </a:prstGeom>
+          <a:noFill/>
+          <a:ln>
+            <a:noFill/>
+            <a:prstDash val="lgDashDot"/>
+          </a:ln>
+        </p:spPr>
+        <p:txBody>
+          <a:bodyPr wrap="square" rtlCol="0">
+            <a:spAutoFit/>
+          </a:bodyPr>
+          <a:lstStyle/>
+          <a:p>
+            <a:pPr algn="ctr"/>
+            <a:r>
+              <a:rPr lang="de-DE" sz="1200" dirty="0" smtClean="0"/>
+              <a:t>C5</a:t>
+            </a:r>
+          </a:p>
+        </p:txBody>
+      </p:sp>
+      <p:cxnSp>
+        <p:nvCxnSpPr>
+          <p:cNvPr id="100" name="Straight Arrow Connector 99"/>
+          <p:cNvCxnSpPr/>
+          <p:nvPr/>
+        </p:nvCxnSpPr>
+        <p:spPr>
+          <a:xfrm flipV="1">
+            <a:off x="3851920" y="1425421"/>
+            <a:ext cx="0" cy="430436"/>
+          </a:xfrm>
+          <a:prstGeom prst="straightConnector1">
+            <a:avLst/>
+          </a:prstGeom>
+          <a:ln>
+            <a:headEnd type="arrow" w="med" len="med"/>
+            <a:tailEnd type="none" w="med" len="med"/>
+          </a:ln>
+        </p:spPr>
+        <p:style>
+          <a:lnRef idx="1">
+            <a:schemeClr val="accent1"/>
+          </a:lnRef>
+          <a:fillRef idx="0">
+            <a:schemeClr val="accent1"/>
+          </a:fillRef>
+          <a:effectRef idx="0">
+            <a:schemeClr val="accent1"/>
+          </a:effectRef>
+          <a:fontRef idx="minor">
+            <a:schemeClr val="tx1"/>
+          </a:fontRef>
+        </p:style>
+      </p:cxnSp>
+      <p:cxnSp>
+        <p:nvCxnSpPr>
+          <p:cNvPr id="101" name="Straight Arrow Connector 100"/>
+          <p:cNvCxnSpPr/>
+          <p:nvPr/>
+        </p:nvCxnSpPr>
+        <p:spPr>
+          <a:xfrm flipH="1">
+            <a:off x="4355976" y="2847419"/>
+            <a:ext cx="2926" cy="454114"/>
+          </a:xfrm>
+          <a:prstGeom prst="straightConnector1">
+            <a:avLst/>
+          </a:prstGeom>
+          <a:ln>
+            <a:headEnd type="arrow" w="med" len="med"/>
+            <a:tailEnd type="none" w="med" len="med"/>
+          </a:ln>
+        </p:spPr>
+        <p:style>
+          <a:lnRef idx="1">
+            <a:schemeClr val="accent1"/>
+          </a:lnRef>
+          <a:fillRef idx="0">
+            <a:schemeClr val="accent1"/>
+          </a:fillRef>
+          <a:effectRef idx="0">
+            <a:schemeClr val="accent1"/>
+          </a:effectRef>
+          <a:fontRef idx="minor">
+            <a:schemeClr val="tx1"/>
+          </a:fontRef>
+        </p:style>
+      </p:cxnSp>
+    </p:spTree>
+    <p:extLst>
+      <p:ext uri="{BB962C8B-B14F-4D97-AF65-F5344CB8AC3E}">
+        <p14:creationId xmlns:p14="http://schemas.microsoft.com/office/powerpoint/2010/main" val="2980590355"/>
+      </p:ext>
+    </p:extLst>
+  </p:cSld>
+  <p:clrMapOvr>
+    <a:masterClrMapping/>
+  </p:clrMapOvr>
+  <p:timing>
+    <p:tnLst>
+      <p:par>
+        <p:cTn id="1" dur="indefinite" restart="never" nodeType="tmRoot"/>
+      </p:par>
+    </p:tnLst>
+  </p:timing>
+</p:sld>
+</file>
+
+<file path=ppt/slides/slide4.xml><?xml version="1.0" encoding="utf-8"?>
+<p:sld xmlns:a="http://schemas.openxmlformats.org/drawingml/2006/main" xmlns:r="http://schemas.openxmlformats.org/officeDocument/2006/relationships" xmlns:p="http://schemas.openxmlformats.org/presentationml/2006/main">
+  <p:cSld>
+    <p:spTree>
+      <p:nvGrpSpPr>
+        <p:cNvPr id="1" name=""/>
+        <p:cNvGrpSpPr/>
+        <p:nvPr/>
+      </p:nvGrpSpPr>
+      <p:grpSpPr>
+        <a:xfrm>
+          <a:off x="0" y="0"/>
+          <a:ext cx="0" cy="0"/>
+          <a:chOff x="0" y="0"/>
+          <a:chExt cx="0" cy="0"/>
+        </a:xfrm>
+      </p:grpSpPr>
+      <p:pic>
+        <p:nvPicPr>
+          <p:cNvPr id="1030" name="Picture 6" descr="C:\HPI\temp\desktop.png"/>
+          <p:cNvPicPr>
+            <a:picLocks noChangeAspect="1" noChangeArrowheads="1"/>
+          </p:cNvPicPr>
+          <p:nvPr/>
+        </p:nvPicPr>
+        <p:blipFill>
+          <a:blip r:embed="rId2">
+            <a:extLst>
+              <a:ext uri="{28A0092B-C50C-407E-A947-70E740481C1C}">
+                <a14:useLocalDpi xmlns:a14="http://schemas.microsoft.com/office/drawing/2010/main" val="0"/>
+              </a:ext>
+            </a:extLst>
+          </a:blip>
+          <a:srcRect/>
+          <a:stretch>
+            <a:fillRect/>
+          </a:stretch>
+        </p:blipFill>
+        <p:spPr bwMode="auto">
+          <a:xfrm>
+            <a:off x="89189" y="3224009"/>
+            <a:ext cx="3839999" cy="2880000"/>
+          </a:xfrm>
+          <a:prstGeom prst="rect">
+            <a:avLst/>
+          </a:prstGeom>
+          <a:noFill/>
+          <a:extLst>
+            <a:ext uri="{909E8E84-426E-40DD-AFC4-6F175D3DCCD1}">
+              <a14:hiddenFill xmlns:a14="http://schemas.microsoft.com/office/drawing/2010/main">
+                <a:solidFill>
+                  <a:srgbClr val="FFFFFF"/>
+                </a:solidFill>
+              </a14:hiddenFill>
+            </a:ext>
+          </a:extLst>
+        </p:spPr>
+      </p:pic>
+      <p:pic>
+        <p:nvPicPr>
+          <p:cNvPr id="1031" name="Picture 7" descr="C:\HPI\temp\logon_hotkey.png"/>
+          <p:cNvPicPr>
+            <a:picLocks noChangeAspect="1" noChangeArrowheads="1"/>
+          </p:cNvPicPr>
+          <p:nvPr/>
+        </p:nvPicPr>
+        <p:blipFill>
+          <a:blip r:embed="rId3">
+            <a:extLst>
+              <a:ext uri="{28A0092B-C50C-407E-A947-70E740481C1C}">
+                <a14:useLocalDpi xmlns:a14="http://schemas.microsoft.com/office/drawing/2010/main" val="0"/>
+              </a:ext>
+            </a:extLst>
+          </a:blip>
+          <a:srcRect/>
+          <a:stretch>
+            <a:fillRect/>
+          </a:stretch>
+        </p:blipFill>
+        <p:spPr bwMode="auto">
+          <a:xfrm>
+            <a:off x="89188" y="37472"/>
+            <a:ext cx="3840000" cy="2880000"/>
+          </a:xfrm>
+          <a:prstGeom prst="rect">
+            <a:avLst/>
+          </a:prstGeom>
+          <a:noFill/>
+          <a:extLst>
+            <a:ext uri="{909E8E84-426E-40DD-AFC4-6F175D3DCCD1}">
+              <a14:hiddenFill xmlns:a14="http://schemas.microsoft.com/office/drawing/2010/main">
+                <a:solidFill>
+                  <a:srgbClr val="FFFFFF"/>
+                </a:solidFill>
+              </a14:hiddenFill>
+            </a:ext>
+          </a:extLst>
+        </p:spPr>
+      </p:pic>
+      <p:pic>
+        <p:nvPicPr>
+          <p:cNvPr id="1032" name="Picture 8" descr="C:\HPI\temp\logon_user.png"/>
+          <p:cNvPicPr>
+            <a:picLocks noChangeAspect="1" noChangeArrowheads="1"/>
+          </p:cNvPicPr>
+          <p:nvPr/>
+        </p:nvPicPr>
+        <p:blipFill>
+          <a:blip r:embed="rId4">
+            <a:extLst>
+              <a:ext uri="{28A0092B-C50C-407E-A947-70E740481C1C}">
+                <a14:useLocalDpi xmlns:a14="http://schemas.microsoft.com/office/drawing/2010/main" val="0"/>
+              </a:ext>
+            </a:extLst>
+          </a:blip>
+          <a:srcRect/>
+          <a:stretch>
+            <a:fillRect/>
+          </a:stretch>
+        </p:blipFill>
+        <p:spPr bwMode="auto">
+          <a:xfrm>
+            <a:off x="4511412" y="37472"/>
+            <a:ext cx="3840000" cy="2880000"/>
+          </a:xfrm>
+          <a:prstGeom prst="rect">
+            <a:avLst/>
+          </a:prstGeom>
+          <a:noFill/>
+          <a:extLst>
+            <a:ext uri="{909E8E84-426E-40DD-AFC4-6F175D3DCCD1}">
+              <a14:hiddenFill xmlns:a14="http://schemas.microsoft.com/office/drawing/2010/main">
+                <a:solidFill>
+                  <a:srgbClr val="FFFFFF"/>
+                </a:solidFill>
+              </a14:hiddenFill>
+            </a:ext>
+          </a:extLst>
+        </p:spPr>
+      </p:pic>
+      <p:pic>
+        <p:nvPicPr>
+          <p:cNvPr id="1033" name="Picture 9" descr="C:\HPI\temp\rdp_success.png"/>
+          <p:cNvPicPr>
+            <a:picLocks noChangeAspect="1" noChangeArrowheads="1"/>
+          </p:cNvPicPr>
+          <p:nvPr/>
+        </p:nvPicPr>
+        <p:blipFill>
+          <a:blip r:embed="rId5">
+            <a:extLst>
+              <a:ext uri="{28A0092B-C50C-407E-A947-70E740481C1C}">
+                <a14:useLocalDpi xmlns:a14="http://schemas.microsoft.com/office/drawing/2010/main" val="0"/>
+              </a:ext>
+            </a:extLst>
+          </a:blip>
+          <a:srcRect/>
+          <a:stretch>
+            <a:fillRect/>
+          </a:stretch>
+        </p:blipFill>
+        <p:spPr bwMode="auto">
+          <a:xfrm>
+            <a:off x="4511412" y="3224009"/>
+            <a:ext cx="3840000" cy="2880000"/>
+          </a:xfrm>
+          <a:prstGeom prst="rect">
+            <a:avLst/>
+          </a:prstGeom>
+          <a:noFill/>
+          <a:extLst>
+            <a:ext uri="{909E8E84-426E-40DD-AFC4-6F175D3DCCD1}">
+              <a14:hiddenFill xmlns:a14="http://schemas.microsoft.com/office/drawing/2010/main">
+                <a:solidFill>
+                  <a:srgbClr val="FFFFFF"/>
+                </a:solidFill>
+              </a14:hiddenFill>
+            </a:ext>
+          </a:extLst>
+        </p:spPr>
+      </p:pic>
+      <p:sp>
+        <p:nvSpPr>
+          <p:cNvPr id="4" name="TextBox 3"/>
+          <p:cNvSpPr txBox="1"/>
+          <p:nvPr/>
+        </p:nvSpPr>
+        <p:spPr>
+          <a:xfrm>
+            <a:off x="64686" y="6104009"/>
+            <a:ext cx="3864502" cy="276999"/>
+          </a:xfrm>
+          <a:prstGeom prst="rect">
+            <a:avLst/>
+          </a:prstGeom>
+          <a:noFill/>
+        </p:spPr>
+        <p:txBody>
+          <a:bodyPr wrap="square" rtlCol="0">
+            <a:spAutoFit/>
+          </a:bodyPr>
+          <a:lstStyle/>
+          <a:p>
+            <a:pPr algn="ctr"/>
+            <a:r>
+              <a:rPr lang="en-US" sz="1200" dirty="0" smtClean="0"/>
+              <a:t>desktop</a:t>
+            </a:r>
+            <a:endParaRPr lang="de-DE" sz="1200" dirty="0"/>
+          </a:p>
+        </p:txBody>
+      </p:sp>
+      <p:sp>
+        <p:nvSpPr>
+          <p:cNvPr id="13" name="TextBox 12"/>
+          <p:cNvSpPr txBox="1"/>
+          <p:nvPr/>
+        </p:nvSpPr>
+        <p:spPr>
+          <a:xfrm>
+            <a:off x="100608" y="2935358"/>
+            <a:ext cx="3864502" cy="276999"/>
+          </a:xfrm>
+          <a:prstGeom prst="rect">
+            <a:avLst/>
+          </a:prstGeom>
+          <a:noFill/>
+        </p:spPr>
+        <p:txBody>
+          <a:bodyPr wrap="square" rtlCol="0">
+            <a:spAutoFit/>
+          </a:bodyPr>
+          <a:lstStyle/>
+          <a:p>
+            <a:pPr algn="ctr"/>
+            <a:r>
+              <a:rPr lang="en-US" sz="1200" dirty="0"/>
+              <a:t>l</a:t>
+            </a:r>
+            <a:r>
+              <a:rPr lang="en-US" sz="1200" dirty="0" smtClean="0"/>
+              <a:t>ogon_hotkey</a:t>
+            </a:r>
+            <a:endParaRPr lang="de-DE" sz="1200" dirty="0"/>
+          </a:p>
+        </p:txBody>
+      </p:sp>
+      <p:sp>
+        <p:nvSpPr>
+          <p:cNvPr id="14" name="TextBox 13"/>
+          <p:cNvSpPr txBox="1"/>
+          <p:nvPr/>
+        </p:nvSpPr>
+        <p:spPr>
+          <a:xfrm>
+            <a:off x="4519642" y="2917472"/>
+            <a:ext cx="3864502" cy="276999"/>
+          </a:xfrm>
+          <a:prstGeom prst="rect">
+            <a:avLst/>
+          </a:prstGeom>
+          <a:noFill/>
+        </p:spPr>
+        <p:txBody>
+          <a:bodyPr wrap="square" rtlCol="0">
+            <a:spAutoFit/>
+          </a:bodyPr>
+          <a:lstStyle/>
+          <a:p>
+            <a:pPr algn="ctr"/>
+            <a:r>
+              <a:rPr lang="en-US" sz="1200" dirty="0"/>
+              <a:t>l</a:t>
+            </a:r>
+            <a:r>
+              <a:rPr lang="en-US" sz="1200" dirty="0" smtClean="0"/>
+              <a:t>ogon_user</a:t>
+            </a:r>
+            <a:endParaRPr lang="de-DE" sz="1200" dirty="0"/>
+          </a:p>
+        </p:txBody>
+      </p:sp>
+      <p:sp>
+        <p:nvSpPr>
+          <p:cNvPr id="15" name="TextBox 14"/>
+          <p:cNvSpPr txBox="1"/>
+          <p:nvPr/>
+        </p:nvSpPr>
+        <p:spPr>
+          <a:xfrm>
+            <a:off x="4511412" y="6104329"/>
+            <a:ext cx="3864502" cy="276999"/>
+          </a:xfrm>
+          <a:prstGeom prst="rect">
+            <a:avLst/>
+          </a:prstGeom>
+          <a:noFill/>
+        </p:spPr>
+        <p:txBody>
+          <a:bodyPr wrap="square" rtlCol="0">
+            <a:spAutoFit/>
+          </a:bodyPr>
+          <a:lstStyle/>
+          <a:p>
+            <a:pPr algn="ctr"/>
+            <a:r>
+              <a:rPr lang="en-US" sz="1200" dirty="0" smtClean="0"/>
+              <a:t>rdp_success</a:t>
+            </a:r>
+            <a:endParaRPr lang="de-DE" sz="1200" dirty="0"/>
+          </a:p>
+        </p:txBody>
+      </p:sp>
+    </p:spTree>
+    <p:extLst>
+      <p:ext uri="{BB962C8B-B14F-4D97-AF65-F5344CB8AC3E}">
+        <p14:creationId xmlns:p14="http://schemas.microsoft.com/office/powerpoint/2010/main" val="1255202442"/>
+      </p:ext>
+    </p:extLst>
+  </p:cSld>
+  <p:clrMapOvr>
+    <a:masterClrMapping/>
+  </p:clrMapOvr>
+  <p:timing>
+    <p:tnLst>
+      <p:par>
+        <p:cTn id="1" dur="indefinite" restart="never" nodeType="tmRoot"/>
+      </p:par>
+    </p:tnLst>
+  </p:timing>
 </p:sld>
 </file>
 

--- a/Research School/Retreat/Fall 2014/retreat release/A.Amirkhanyan/Scenario relations.pptx
+++ b/Research School/Retreat/Fall 2014/retreat release/A.Amirkhanyan/Scenario relations.pptx
@@ -291,7 +291,7 @@
           <a:p>
             <a:fld id="{1617007B-AE2D-44C1-A622-3C80783AE921}" type="datetimeFigureOut">
               <a:rPr lang="de-DE" smtClean="0"/>
-              <a:t>17.11.2014</a:t>
+              <a:t>25.11.2014</a:t>
             </a:fld>
             <a:endParaRPr lang="de-DE"/>
           </a:p>
@@ -461,7 +461,7 @@
           <a:p>
             <a:fld id="{1617007B-AE2D-44C1-A622-3C80783AE921}" type="datetimeFigureOut">
               <a:rPr lang="de-DE" smtClean="0"/>
-              <a:t>17.11.2014</a:t>
+              <a:t>25.11.2014</a:t>
             </a:fld>
             <a:endParaRPr lang="de-DE"/>
           </a:p>
@@ -641,7 +641,7 @@
           <a:p>
             <a:fld id="{1617007B-AE2D-44C1-A622-3C80783AE921}" type="datetimeFigureOut">
               <a:rPr lang="de-DE" smtClean="0"/>
-              <a:t>17.11.2014</a:t>
+              <a:t>25.11.2014</a:t>
             </a:fld>
             <a:endParaRPr lang="de-DE"/>
           </a:p>
@@ -811,7 +811,7 @@
           <a:p>
             <a:fld id="{1617007B-AE2D-44C1-A622-3C80783AE921}" type="datetimeFigureOut">
               <a:rPr lang="de-DE" smtClean="0"/>
-              <a:t>17.11.2014</a:t>
+              <a:t>25.11.2014</a:t>
             </a:fld>
             <a:endParaRPr lang="de-DE"/>
           </a:p>
@@ -1057,7 +1057,7 @@
           <a:p>
             <a:fld id="{1617007B-AE2D-44C1-A622-3C80783AE921}" type="datetimeFigureOut">
               <a:rPr lang="de-DE" smtClean="0"/>
-              <a:t>17.11.2014</a:t>
+              <a:t>25.11.2014</a:t>
             </a:fld>
             <a:endParaRPr lang="de-DE"/>
           </a:p>
@@ -1345,7 +1345,7 @@
           <a:p>
             <a:fld id="{1617007B-AE2D-44C1-A622-3C80783AE921}" type="datetimeFigureOut">
               <a:rPr lang="de-DE" smtClean="0"/>
-              <a:t>17.11.2014</a:t>
+              <a:t>25.11.2014</a:t>
             </a:fld>
             <a:endParaRPr lang="de-DE"/>
           </a:p>
@@ -1767,7 +1767,7 @@
           <a:p>
             <a:fld id="{1617007B-AE2D-44C1-A622-3C80783AE921}" type="datetimeFigureOut">
               <a:rPr lang="de-DE" smtClean="0"/>
-              <a:t>17.11.2014</a:t>
+              <a:t>25.11.2014</a:t>
             </a:fld>
             <a:endParaRPr lang="de-DE"/>
           </a:p>
@@ -1885,7 +1885,7 @@
           <a:p>
             <a:fld id="{1617007B-AE2D-44C1-A622-3C80783AE921}" type="datetimeFigureOut">
               <a:rPr lang="de-DE" smtClean="0"/>
-              <a:t>17.11.2014</a:t>
+              <a:t>25.11.2014</a:t>
             </a:fld>
             <a:endParaRPr lang="de-DE"/>
           </a:p>
@@ -1980,7 +1980,7 @@
           <a:p>
             <a:fld id="{1617007B-AE2D-44C1-A622-3C80783AE921}" type="datetimeFigureOut">
               <a:rPr lang="de-DE" smtClean="0"/>
-              <a:t>17.11.2014</a:t>
+              <a:t>25.11.2014</a:t>
             </a:fld>
             <a:endParaRPr lang="de-DE"/>
           </a:p>
@@ -2257,7 +2257,7 @@
           <a:p>
             <a:fld id="{1617007B-AE2D-44C1-A622-3C80783AE921}" type="datetimeFigureOut">
               <a:rPr lang="de-DE" smtClean="0"/>
-              <a:t>17.11.2014</a:t>
+              <a:t>25.11.2014</a:t>
             </a:fld>
             <a:endParaRPr lang="de-DE"/>
           </a:p>
@@ -2510,7 +2510,7 @@
           <a:p>
             <a:fld id="{1617007B-AE2D-44C1-A622-3C80783AE921}" type="datetimeFigureOut">
               <a:rPr lang="de-DE" smtClean="0"/>
-              <a:t>17.11.2014</a:t>
+              <a:t>25.11.2014</a:t>
             </a:fld>
             <a:endParaRPr lang="de-DE"/>
           </a:p>
@@ -2723,7 +2723,7 @@
           <a:p>
             <a:fld id="{1617007B-AE2D-44C1-A622-3C80783AE921}" type="datetimeFigureOut">
               <a:rPr lang="de-DE" smtClean="0"/>
-              <a:t>17.11.2014</a:t>
+              <a:t>25.11.2014</a:t>
             </a:fld>
             <a:endParaRPr lang="de-DE"/>
           </a:p>
@@ -3107,13 +3107,13 @@
           <p:nvPr>
             <p:extLst>
               <p:ext uri="{D42A27DB-BD31-4B8C-83A1-F6EECF244321}">
-                <p14:modId xmlns:p14="http://schemas.microsoft.com/office/powerpoint/2010/main" val="2526247288"/>
+                <p14:modId xmlns:p14="http://schemas.microsoft.com/office/powerpoint/2010/main" val="4155611857"/>
               </p:ext>
             </p:extLst>
           </p:nvPr>
         </p:nvGraphicFramePr>
         <p:xfrm>
-          <a:off x="7164288" y="3429000"/>
+          <a:off x="3275856" y="548680"/>
           <a:ext cx="1656184" cy="2560320"/>
         </p:xfrm>
         <a:graphic>
@@ -3125,7 +3125,7 @@
               <a:tblGrid>
                 <a:gridCol w="1656184"/>
               </a:tblGrid>
-              <a:tr h="157953">
+              <a:tr h="149736">
                 <a:tc>
                   <a:txBody>
                     <a:bodyPr/>
@@ -3252,13 +3252,13 @@
           <p:nvPr>
             <p:extLst>
               <p:ext uri="{D42A27DB-BD31-4B8C-83A1-F6EECF244321}">
-                <p14:modId xmlns:p14="http://schemas.microsoft.com/office/powerpoint/2010/main" val="3866742327"/>
+                <p14:modId xmlns:p14="http://schemas.microsoft.com/office/powerpoint/2010/main" val="1965780407"/>
               </p:ext>
             </p:extLst>
           </p:nvPr>
         </p:nvGraphicFramePr>
         <p:xfrm>
-          <a:off x="323528" y="3429000"/>
+          <a:off x="3707904" y="3429000"/>
           <a:ext cx="1800200" cy="2194560"/>
         </p:xfrm>
         <a:graphic>
@@ -3270,7 +3270,7 @@
               <a:tblGrid>
                 <a:gridCol w="1800200"/>
               </a:tblGrid>
-              <a:tr h="300033">
+              <a:tr h="365760">
                 <a:tc>
                   <a:txBody>
                     <a:bodyPr/>
@@ -3294,7 +3294,7 @@
                         <a:defRPr/>
                       </a:pPr>
                       <a:r>
-                        <a:rPr lang="en-US" sz="1800" b="1" kern="1200" smtClean="0">
+                        <a:rPr lang="en-US" sz="1800" b="1" kern="1200" dirty="0" smtClean="0">
                           <a:solidFill>
                             <a:schemeClr val="lt1"/>
                           </a:solidFill>
@@ -3303,7 +3303,7 @@
                           <a:ea typeface="+mn-ea"/>
                           <a:cs typeface="+mn-cs"/>
                         </a:rPr>
-                        <a:t>Inner-scenarios</a:t>
+                        <a:t>Inner_scenarios</a:t>
                       </a:r>
                       <a:endParaRPr lang="de-DE" sz="1800" b="1" kern="1200" dirty="0" smtClean="0">
                         <a:solidFill>
@@ -3412,13 +3412,13 @@
           <p:nvPr>
             <p:extLst>
               <p:ext uri="{D42A27DB-BD31-4B8C-83A1-F6EECF244321}">
-                <p14:modId xmlns:p14="http://schemas.microsoft.com/office/powerpoint/2010/main" val="2413094377"/>
+                <p14:modId xmlns:p14="http://schemas.microsoft.com/office/powerpoint/2010/main" val="673226856"/>
               </p:ext>
             </p:extLst>
           </p:nvPr>
         </p:nvGraphicFramePr>
         <p:xfrm>
-          <a:off x="3491880" y="116633"/>
+          <a:off x="395536" y="188640"/>
           <a:ext cx="1872208" cy="2926080"/>
         </p:xfrm>
         <a:graphic>
@@ -3430,7 +3430,7 @@
               <a:tblGrid>
                 <a:gridCol w="1872208"/>
               </a:tblGrid>
-              <a:tr h="0">
+              <a:tr h="202312">
                 <a:tc>
                   <a:txBody>
                     <a:bodyPr/>
@@ -3550,7 +3550,7 @@
                     <a:p>
                       <a:r>
                         <a:rPr lang="en-US" dirty="0" smtClean="0"/>
-                        <a:t>count</a:t>
+                        <a:t>Count</a:t>
                       </a:r>
                       <a:endParaRPr lang="de-DE" dirty="0"/>
                     </a:p>
@@ -3569,12 +3569,14 @@
           <p:nvPr/>
         </p:nvCxnSpPr>
         <p:spPr>
-          <a:xfrm flipH="1">
-            <a:off x="2123728" y="2492896"/>
-            <a:ext cx="1368152" cy="1440160"/>
-          </a:xfrm>
-          <a:prstGeom prst="straightConnector1">
-            <a:avLst/>
+          <a:xfrm>
+            <a:off x="2267744" y="2564904"/>
+            <a:ext cx="1440160" cy="1368152"/>
+          </a:xfrm>
+          <a:prstGeom prst="bentConnector3">
+            <a:avLst>
+              <a:gd name="adj1" fmla="val 50000"/>
+            </a:avLst>
           </a:prstGeom>
           <a:ln>
             <a:tailEnd type="arrow"/>
@@ -3603,8 +3605,8 @@
         </p:nvCxnSpPr>
         <p:spPr>
           <a:xfrm>
-            <a:off x="5364088" y="1052736"/>
-            <a:ext cx="1800200" cy="2952328"/>
+            <a:off x="2267744" y="1124744"/>
+            <a:ext cx="1008112" cy="0"/>
           </a:xfrm>
           <a:prstGeom prst="straightConnector1">
             <a:avLst/>
